--- a/flow2.pptx
+++ b/flow2.pptx
@@ -238,7 +238,7 @@
           <a:p>
             <a:fld id="{0DBA95FB-7D29-42AD-B37C-C4147D816C52}" type="datetimeFigureOut">
               <a:rPr lang="zh-CN" altLang="en-US" smtClean="0"/>
-              <a:t>2016/4/18</a:t>
+              <a:t>2016/10/13</a:t>
             </a:fld>
             <a:endParaRPr lang="zh-CN" altLang="en-US"/>
           </a:p>
@@ -296,6 +296,13 @@
   <p:clrMapOvr>
     <a:masterClrMapping/>
   </p:clrMapOvr>
+  <p:timing>
+    <p:tnLst>
+      <p:par>
+        <p:cTn id="1" dur="indefinite" restart="never" nodeType="tmRoot"/>
+      </p:par>
+    </p:tnLst>
+  </p:timing>
 </p:sldLayout>
 </file>
 
@@ -408,7 +415,7 @@
           <a:p>
             <a:fld id="{0DBA95FB-7D29-42AD-B37C-C4147D816C52}" type="datetimeFigureOut">
               <a:rPr lang="zh-CN" altLang="en-US" smtClean="0"/>
-              <a:t>2016/4/18</a:t>
+              <a:t>2016/10/13</a:t>
             </a:fld>
             <a:endParaRPr lang="zh-CN" altLang="en-US"/>
           </a:p>
@@ -588,7 +595,7 @@
           <a:p>
             <a:fld id="{0DBA95FB-7D29-42AD-B37C-C4147D816C52}" type="datetimeFigureOut">
               <a:rPr lang="zh-CN" altLang="en-US" smtClean="0"/>
-              <a:t>2016/4/18</a:t>
+              <a:t>2016/10/13</a:t>
             </a:fld>
             <a:endParaRPr lang="zh-CN" altLang="en-US"/>
           </a:p>
@@ -758,7 +765,7 @@
           <a:p>
             <a:fld id="{0DBA95FB-7D29-42AD-B37C-C4147D816C52}" type="datetimeFigureOut">
               <a:rPr lang="zh-CN" altLang="en-US" smtClean="0"/>
-              <a:t>2016/4/18</a:t>
+              <a:t>2016/10/13</a:t>
             </a:fld>
             <a:endParaRPr lang="zh-CN" altLang="en-US"/>
           </a:p>
@@ -1004,7 +1011,7 @@
           <a:p>
             <a:fld id="{0DBA95FB-7D29-42AD-B37C-C4147D816C52}" type="datetimeFigureOut">
               <a:rPr lang="zh-CN" altLang="en-US" smtClean="0"/>
-              <a:t>2016/4/18</a:t>
+              <a:t>2016/10/13</a:t>
             </a:fld>
             <a:endParaRPr lang="zh-CN" altLang="en-US"/>
           </a:p>
@@ -1236,7 +1243,7 @@
           <a:p>
             <a:fld id="{0DBA95FB-7D29-42AD-B37C-C4147D816C52}" type="datetimeFigureOut">
               <a:rPr lang="zh-CN" altLang="en-US" smtClean="0"/>
-              <a:t>2016/4/18</a:t>
+              <a:t>2016/10/13</a:t>
             </a:fld>
             <a:endParaRPr lang="zh-CN" altLang="en-US"/>
           </a:p>
@@ -1603,7 +1610,7 @@
           <a:p>
             <a:fld id="{0DBA95FB-7D29-42AD-B37C-C4147D816C52}" type="datetimeFigureOut">
               <a:rPr lang="zh-CN" altLang="en-US" smtClean="0"/>
-              <a:t>2016/4/18</a:t>
+              <a:t>2016/10/13</a:t>
             </a:fld>
             <a:endParaRPr lang="zh-CN" altLang="en-US"/>
           </a:p>
@@ -1721,7 +1728,7 @@
           <a:p>
             <a:fld id="{0DBA95FB-7D29-42AD-B37C-C4147D816C52}" type="datetimeFigureOut">
               <a:rPr lang="zh-CN" altLang="en-US" smtClean="0"/>
-              <a:t>2016/4/18</a:t>
+              <a:t>2016/10/13</a:t>
             </a:fld>
             <a:endParaRPr lang="zh-CN" altLang="en-US"/>
           </a:p>
@@ -1816,7 +1823,7 @@
           <a:p>
             <a:fld id="{0DBA95FB-7D29-42AD-B37C-C4147D816C52}" type="datetimeFigureOut">
               <a:rPr lang="zh-CN" altLang="en-US" smtClean="0"/>
-              <a:t>2016/4/18</a:t>
+              <a:t>2016/10/13</a:t>
             </a:fld>
             <a:endParaRPr lang="zh-CN" altLang="en-US"/>
           </a:p>
@@ -2093,7 +2100,7 @@
           <a:p>
             <a:fld id="{0DBA95FB-7D29-42AD-B37C-C4147D816C52}" type="datetimeFigureOut">
               <a:rPr lang="zh-CN" altLang="en-US" smtClean="0"/>
-              <a:t>2016/4/18</a:t>
+              <a:t>2016/10/13</a:t>
             </a:fld>
             <a:endParaRPr lang="zh-CN" altLang="en-US"/>
           </a:p>
@@ -2346,7 +2353,7 @@
           <a:p>
             <a:fld id="{0DBA95FB-7D29-42AD-B37C-C4147D816C52}" type="datetimeFigureOut">
               <a:rPr lang="zh-CN" altLang="en-US" smtClean="0"/>
-              <a:t>2016/4/18</a:t>
+              <a:t>2016/10/13</a:t>
             </a:fld>
             <a:endParaRPr lang="zh-CN" altLang="en-US"/>
           </a:p>
@@ -2559,7 +2566,7 @@
           <a:p>
             <a:fld id="{0DBA95FB-7D29-42AD-B37C-C4147D816C52}" type="datetimeFigureOut">
               <a:rPr lang="zh-CN" altLang="en-US" smtClean="0"/>
-              <a:t>2016/4/18</a:t>
+              <a:t>2016/10/13</a:t>
             </a:fld>
             <a:endParaRPr lang="zh-CN" altLang="en-US"/>
           </a:p>
@@ -2972,8 +2979,8 @@
         </p:nvSpPr>
         <p:spPr>
           <a:xfrm>
-            <a:off x="1259632" y="731292"/>
-            <a:ext cx="448969" cy="369332"/>
+            <a:off x="1221532" y="1023392"/>
+            <a:ext cx="480644" cy="400110"/>
           </a:xfrm>
           <a:prstGeom prst="rect">
             <a:avLst/>
@@ -2987,10 +2994,10 @@
           <a:lstStyle/>
           <a:p>
             <a:r>
-              <a:rPr lang="en-US" altLang="zh-CN" dirty="0" err="1" smtClean="0"/>
+              <a:rPr lang="en-US" altLang="zh-CN" sz="2000" dirty="0" err="1" smtClean="0"/>
               <a:t>src</a:t>
             </a:r>
-            <a:endParaRPr lang="zh-CN" altLang="en-US" dirty="0"/>
+            <a:endParaRPr lang="zh-CN" altLang="en-US" sz="2000" dirty="0"/>
           </a:p>
         </p:txBody>
       </p:sp>
@@ -3002,8 +3009,8 @@
         </p:nvSpPr>
         <p:spPr>
           <a:xfrm>
-            <a:off x="5228004" y="720150"/>
-            <a:ext cx="864096" cy="369332"/>
+            <a:off x="5139104" y="999550"/>
+            <a:ext cx="864096" cy="400110"/>
           </a:xfrm>
           <a:prstGeom prst="rect">
             <a:avLst/>
@@ -3017,10 +3024,10 @@
           <a:lstStyle/>
           <a:p>
             <a:r>
-              <a:rPr lang="en-US" altLang="zh-CN" dirty="0" smtClean="0"/>
+              <a:rPr lang="en-US" altLang="zh-CN" sz="2000" dirty="0" smtClean="0"/>
               <a:t>home</a:t>
             </a:r>
-            <a:endParaRPr lang="zh-CN" altLang="en-US" dirty="0"/>
+            <a:endParaRPr lang="zh-CN" altLang="en-US" sz="2000" dirty="0"/>
           </a:p>
         </p:txBody>
       </p:sp>
@@ -3032,8 +3039,8 @@
         </p:nvSpPr>
         <p:spPr>
           <a:xfrm>
-            <a:off x="10453340" y="713284"/>
-            <a:ext cx="792088" cy="369332"/>
+            <a:off x="10368024" y="974417"/>
+            <a:ext cx="792088" cy="400110"/>
           </a:xfrm>
           <a:prstGeom prst="rect">
             <a:avLst/>
@@ -3047,10 +3054,10 @@
           <a:lstStyle/>
           <a:p>
             <a:r>
-              <a:rPr lang="en-US" altLang="zh-CN" dirty="0" err="1" smtClean="0"/>
+              <a:rPr lang="en-US" altLang="zh-CN" sz="2000" dirty="0" err="1" smtClean="0"/>
               <a:t>dst</a:t>
             </a:r>
-            <a:endParaRPr lang="zh-CN" altLang="en-US" dirty="0"/>
+            <a:endParaRPr lang="zh-CN" altLang="en-US" sz="2000" dirty="0"/>
           </a:p>
         </p:txBody>
       </p:sp>
@@ -3062,8 +3069,8 @@
         </p:nvSpPr>
         <p:spPr>
           <a:xfrm>
-            <a:off x="1276553" y="1319599"/>
-            <a:ext cx="1315732" cy="276999"/>
+            <a:off x="765560" y="1776799"/>
+            <a:ext cx="1826725" cy="400110"/>
           </a:xfrm>
           <a:prstGeom prst="rect">
             <a:avLst/>
@@ -3082,10 +3089,10 @@
           <a:lstStyle/>
           <a:p>
             <a:r>
-              <a:rPr lang="en-US" altLang="zh-CN" sz="1200" dirty="0" err="1" smtClean="0"/>
+              <a:rPr lang="en-US" altLang="zh-CN" sz="2000" dirty="0" err="1" smtClean="0"/>
               <a:t>PI_Remote_Get</a:t>
             </a:r>
-            <a:endParaRPr lang="zh-CN" altLang="en-US" sz="1200" dirty="0"/>
+            <a:endParaRPr lang="zh-CN" altLang="en-US" sz="2000" dirty="0"/>
           </a:p>
         </p:txBody>
       </p:sp>
@@ -3097,8 +3104,8 @@
         </p:nvSpPr>
         <p:spPr>
           <a:xfrm>
-            <a:off x="5112060" y="1293455"/>
-            <a:ext cx="1324006" cy="276999"/>
+            <a:off x="4352318" y="1763355"/>
+            <a:ext cx="2353282" cy="400110"/>
           </a:xfrm>
           <a:prstGeom prst="rect">
             <a:avLst/>
@@ -3117,10 +3124,10 @@
           <a:lstStyle/>
           <a:p>
             <a:r>
-              <a:rPr lang="en-US" altLang="zh-CN" sz="1200" dirty="0" err="1" smtClean="0"/>
+              <a:rPr lang="en-US" altLang="zh-CN" sz="2000" dirty="0" err="1" smtClean="0"/>
               <a:t>NI_Local_Get_Get</a:t>
             </a:r>
-            <a:endParaRPr lang="zh-CN" altLang="en-US" sz="1200" dirty="0"/>
+            <a:endParaRPr lang="zh-CN" altLang="en-US" sz="2000" dirty="0"/>
           </a:p>
         </p:txBody>
       </p:sp>
@@ -3132,8 +3139,8 @@
         </p:nvSpPr>
         <p:spPr>
           <a:xfrm>
-            <a:off x="2585061" y="664096"/>
-            <a:ext cx="2393112" cy="646331"/>
+            <a:off x="1779779" y="304800"/>
+            <a:ext cx="3880273" cy="1015663"/>
           </a:xfrm>
           <a:prstGeom prst="rect">
             <a:avLst/>
@@ -3147,88 +3154,88 @@
           <a:lstStyle/>
           <a:p>
             <a:r>
-              <a:rPr lang="en-US" altLang="zh-CN" sz="1200" dirty="0" smtClean="0"/>
+              <a:rPr lang="en-US" altLang="zh-CN" sz="2000" dirty="0" smtClean="0"/>
               <a:t>Proc[</a:t>
             </a:r>
             <a:r>
-              <a:rPr lang="en-US" altLang="zh-CN" sz="1200" dirty="0" err="1" smtClean="0"/>
+              <a:rPr lang="en-US" altLang="zh-CN" sz="2000" dirty="0" err="1" smtClean="0"/>
               <a:t>src</a:t>
             </a:r>
             <a:r>
-              <a:rPr lang="en-US" altLang="zh-CN" sz="1200" dirty="0" smtClean="0"/>
+              <a:rPr lang="en-US" altLang="zh-CN" sz="2000" dirty="0" smtClean="0"/>
               <a:t>].</a:t>
             </a:r>
             <a:r>
-              <a:rPr lang="en-US" altLang="zh-CN" sz="1200" dirty="0" err="1" smtClean="0"/>
+              <a:rPr lang="en-US" altLang="zh-CN" sz="2000" dirty="0" err="1" smtClean="0"/>
               <a:t>ProcCmd</a:t>
             </a:r>
             <a:r>
-              <a:rPr lang="en-US" altLang="zh-CN" sz="1200" dirty="0" smtClean="0"/>
+              <a:rPr lang="en-US" altLang="zh-CN" sz="2000" dirty="0" smtClean="0"/>
               <a:t> := </a:t>
             </a:r>
             <a:r>
-              <a:rPr lang="en-US" altLang="zh-CN" sz="1200" dirty="0" err="1" smtClean="0"/>
+              <a:rPr lang="en-US" altLang="zh-CN" sz="2000" dirty="0" err="1" smtClean="0"/>
               <a:t>NODE_Get</a:t>
             </a:r>
-            <a:endParaRPr lang="en-US" altLang="zh-CN" sz="1200" dirty="0" smtClean="0"/>
-          </a:p>
-          <a:p>
-            <a:r>
-              <a:rPr lang="en-US" altLang="zh-CN" sz="1200" dirty="0" smtClean="0"/>
+            <a:endParaRPr lang="en-US" altLang="zh-CN" sz="2000" dirty="0" smtClean="0"/>
+          </a:p>
+          <a:p>
+            <a:r>
+              <a:rPr lang="en-US" altLang="zh-CN" sz="2000" dirty="0" smtClean="0"/>
               <a:t> </a:t>
             </a:r>
             <a:r>
-              <a:rPr lang="en-US" altLang="zh-CN" sz="1200" dirty="0" err="1" smtClean="0"/>
+              <a:rPr lang="en-US" altLang="zh-CN" sz="2000" dirty="0" err="1" smtClean="0"/>
               <a:t>UniMsg</a:t>
             </a:r>
             <a:r>
-              <a:rPr lang="en-US" altLang="zh-CN" sz="1200" dirty="0" smtClean="0"/>
+              <a:rPr lang="en-US" altLang="zh-CN" sz="2000" dirty="0" smtClean="0"/>
               <a:t>[</a:t>
             </a:r>
             <a:r>
-              <a:rPr lang="en-US" altLang="zh-CN" sz="1200" dirty="0" err="1" smtClean="0"/>
+              <a:rPr lang="en-US" altLang="zh-CN" sz="2000" dirty="0" err="1" smtClean="0"/>
               <a:t>src</a:t>
             </a:r>
             <a:r>
-              <a:rPr lang="en-US" altLang="zh-CN" sz="1200" dirty="0" smtClean="0"/>
+              <a:rPr lang="en-US" altLang="zh-CN" sz="2000" dirty="0" smtClean="0"/>
               <a:t>].</a:t>
             </a:r>
             <a:r>
-              <a:rPr lang="en-US" altLang="zh-CN" sz="1200" dirty="0" err="1" smtClean="0"/>
+              <a:rPr lang="en-US" altLang="zh-CN" sz="2000" dirty="0" err="1" smtClean="0"/>
               <a:t>Cmd</a:t>
             </a:r>
             <a:r>
-              <a:rPr lang="en-US" altLang="zh-CN" sz="1200" dirty="0" smtClean="0"/>
+              <a:rPr lang="en-US" altLang="zh-CN" sz="2000" dirty="0" smtClean="0"/>
               <a:t> := </a:t>
             </a:r>
             <a:r>
-              <a:rPr lang="en-US" altLang="zh-CN" sz="1200" dirty="0" err="1" smtClean="0"/>
+              <a:rPr lang="en-US" altLang="zh-CN" sz="2000" dirty="0" err="1" smtClean="0"/>
               <a:t>UNI_Get</a:t>
             </a:r>
-            <a:endParaRPr lang="en-US" altLang="zh-CN" sz="1200" dirty="0" smtClean="0"/>
-          </a:p>
-          <a:p>
-            <a:r>
-              <a:rPr lang="en-US" altLang="zh-CN" sz="1200" dirty="0" smtClean="0"/>
+            <a:endParaRPr lang="en-US" altLang="zh-CN" sz="2000" dirty="0" smtClean="0"/>
+          </a:p>
+          <a:p>
+            <a:r>
+              <a:rPr lang="en-US" altLang="zh-CN" sz="2000" dirty="0" smtClean="0"/>
               <a:t> </a:t>
             </a:r>
             <a:r>
-              <a:rPr lang="en-US" altLang="zh-CN" sz="1200" dirty="0" err="1" smtClean="0"/>
+              <a:rPr lang="en-US" altLang="zh-CN" sz="2000" dirty="0" err="1" smtClean="0"/>
               <a:t>UniMsg</a:t>
             </a:r>
             <a:r>
-              <a:rPr lang="en-US" altLang="zh-CN" sz="1200" dirty="0" smtClean="0"/>
+              <a:rPr lang="en-US" altLang="zh-CN" sz="2000" dirty="0" smtClean="0"/>
               <a:t>[</a:t>
             </a:r>
             <a:r>
-              <a:rPr lang="en-US" altLang="zh-CN" sz="1200" dirty="0" err="1" smtClean="0"/>
+              <a:rPr lang="en-US" altLang="zh-CN" sz="2000" dirty="0" err="1" smtClean="0"/>
               <a:t>src</a:t>
             </a:r>
             <a:r>
-              <a:rPr lang="en-US" altLang="zh-CN" sz="1200" dirty="0" smtClean="0"/>
+              <a:rPr lang="en-US" altLang="zh-CN" sz="2000" dirty="0" smtClean="0"/>
               <a:t>].Proc := Home</a:t>
             </a:r>
-            <a:endParaRPr lang="zh-CN" altLang="en-US" sz="1200" dirty="0"/>
+            <a:endParaRPr lang="zh-CN" altLang="en-US" sz="2000" dirty="0"/>
           </a:p>
         </p:txBody>
       </p:sp>
@@ -3240,8 +3247,8 @@
         </p:nvSpPr>
         <p:spPr>
           <a:xfrm>
-            <a:off x="6705600" y="609600"/>
-            <a:ext cx="2712070" cy="646331"/>
+            <a:off x="6705600" y="292100"/>
+            <a:ext cx="3747740" cy="1323439"/>
           </a:xfrm>
           <a:prstGeom prst="rect">
             <a:avLst/>
@@ -3254,75 +3261,82 @@
           <a:lstStyle/>
           <a:p>
             <a:r>
-              <a:rPr lang="en-US" altLang="zh-CN" sz="1200" dirty="0" err="1" smtClean="0"/>
+              <a:rPr lang="en-US" altLang="zh-CN" sz="2000" dirty="0" err="1" smtClean="0"/>
               <a:t>Dir.Pending</a:t>
             </a:r>
             <a:r>
-              <a:rPr lang="en-US" altLang="zh-CN" sz="1200" dirty="0" smtClean="0"/>
+              <a:rPr lang="en-US" altLang="zh-CN" sz="2000" dirty="0" smtClean="0"/>
               <a:t> = true</a:t>
             </a:r>
           </a:p>
           <a:p>
             <a:r>
-              <a:rPr lang="en-US" altLang="zh-CN" sz="1200" dirty="0" err="1" smtClean="0"/>
+              <a:rPr lang="en-US" altLang="zh-CN" sz="2000" dirty="0" err="1" smtClean="0"/>
               <a:t>UniMsg</a:t>
             </a:r>
             <a:r>
-              <a:rPr lang="en-US" altLang="zh-CN" sz="1200" dirty="0" smtClean="0"/>
+              <a:rPr lang="en-US" altLang="zh-CN" sz="2000" dirty="0" smtClean="0"/>
               <a:t>[</a:t>
             </a:r>
             <a:r>
-              <a:rPr lang="en-US" altLang="zh-CN" sz="1200" dirty="0" err="1" smtClean="0"/>
+              <a:rPr lang="en-US" altLang="zh-CN" sz="2000" dirty="0" err="1" smtClean="0"/>
               <a:t>src</a:t>
             </a:r>
             <a:r>
-              <a:rPr lang="en-US" altLang="zh-CN" sz="1200" dirty="0" smtClean="0"/>
+              <a:rPr lang="en-US" altLang="zh-CN" sz="2000" dirty="0" smtClean="0"/>
               <a:t>].</a:t>
             </a:r>
             <a:r>
-              <a:rPr lang="en-US" altLang="zh-CN" sz="1200" dirty="0" err="1" smtClean="0"/>
+              <a:rPr lang="en-US" altLang="zh-CN" sz="2000" dirty="0" err="1" smtClean="0"/>
               <a:t>Cmd</a:t>
             </a:r>
             <a:r>
-              <a:rPr lang="en-US" altLang="zh-CN" sz="1200" dirty="0" smtClean="0"/>
+              <a:rPr lang="en-US" altLang="zh-CN" sz="2000" dirty="0" smtClean="0"/>
               <a:t> = </a:t>
             </a:r>
             <a:r>
-              <a:rPr lang="en-US" altLang="zh-CN" sz="1200" dirty="0" err="1" smtClean="0"/>
+              <a:rPr lang="en-US" altLang="zh-CN" sz="2000" dirty="0" err="1" smtClean="0"/>
               <a:t>UNI_Get</a:t>
             </a:r>
-            <a:endParaRPr lang="en-US" altLang="zh-CN" sz="1200" dirty="0" smtClean="0"/>
-          </a:p>
-          <a:p>
-            <a:r>
-              <a:rPr lang="en-US" altLang="zh-CN" sz="1200" dirty="0" err="1" smtClean="0"/>
+            <a:endParaRPr lang="en-US" altLang="zh-CN" sz="2000" dirty="0" smtClean="0"/>
+          </a:p>
+          <a:p>
+            <a:r>
+              <a:rPr lang="en-US" altLang="zh-CN" sz="2000" dirty="0" err="1" smtClean="0"/>
               <a:t>UniMsg</a:t>
             </a:r>
             <a:r>
-              <a:rPr lang="en-US" altLang="zh-CN" sz="1200" dirty="0" smtClean="0"/>
+              <a:rPr lang="en-US" altLang="zh-CN" sz="2000" dirty="0" smtClean="0"/>
               <a:t>[</a:t>
             </a:r>
             <a:r>
-              <a:rPr lang="en-US" altLang="zh-CN" sz="1200" dirty="0" err="1" smtClean="0"/>
+              <a:rPr lang="en-US" altLang="zh-CN" sz="2000" dirty="0" err="1" smtClean="0"/>
               <a:t>src</a:t>
             </a:r>
             <a:r>
-              <a:rPr lang="en-US" altLang="zh-CN" sz="1200" dirty="0" smtClean="0"/>
-              <a:t>].Proc = </a:t>
-            </a:r>
-            <a:r>
-              <a:rPr lang="en-US" altLang="zh-CN" sz="1200" dirty="0" err="1" smtClean="0"/>
+              <a:rPr lang="en-US" altLang="zh-CN" sz="2000" dirty="0" smtClean="0"/>
+              <a:t>].Proc := </a:t>
+            </a:r>
+            <a:r>
+              <a:rPr lang="en-US" altLang="zh-CN" sz="2000" dirty="0" err="1" smtClean="0"/>
+              <a:t>dst</a:t>
+            </a:r>
+            <a:endParaRPr lang="en-US" altLang="zh-CN" sz="2000" dirty="0" smtClean="0"/>
+          </a:p>
+          <a:p>
+            <a:r>
+              <a:rPr lang="en-US" altLang="zh-CN" sz="2000" dirty="0" err="1" smtClean="0"/>
               <a:t>Sta.Dir.HeadPtr</a:t>
             </a:r>
             <a:r>
-              <a:rPr lang="en-US" altLang="zh-CN" sz="1200" dirty="0" smtClean="0"/>
-              <a:t>=</a:t>
-            </a:r>
-            <a:r>
-              <a:rPr lang="en-US" altLang="zh-CN" sz="1200" dirty="0" err="1" smtClean="0"/>
+              <a:rPr lang="en-US" altLang="zh-CN" sz="2000" dirty="0" smtClean="0"/>
+              <a:t>:=</a:t>
+            </a:r>
+            <a:r>
+              <a:rPr lang="en-US" altLang="zh-CN" sz="2000" dirty="0" err="1" smtClean="0"/>
               <a:t>dst</a:t>
             </a:r>
-            <a:endParaRPr lang="en-US" altLang="zh-CN" sz="1200" dirty="0" smtClean="0"/>
+            <a:endParaRPr lang="en-US" altLang="zh-CN" sz="2000" dirty="0" smtClean="0"/>
           </a:p>
         </p:txBody>
       </p:sp>
@@ -3334,8 +3348,8 @@
         </p:nvSpPr>
         <p:spPr>
           <a:xfrm>
-            <a:off x="10071100" y="1257300"/>
-            <a:ext cx="1549400" cy="276999"/>
+            <a:off x="9310892" y="1761182"/>
+            <a:ext cx="2501900" cy="400110"/>
           </a:xfrm>
           <a:prstGeom prst="rect">
             <a:avLst/>
@@ -3354,10 +3368,10 @@
           <a:lstStyle/>
           <a:p>
             <a:r>
-              <a:rPr lang="en-US" altLang="zh-CN" sz="1200" dirty="0" err="1" smtClean="0"/>
+              <a:rPr lang="en-US" altLang="zh-CN" sz="2000" dirty="0" err="1" smtClean="0"/>
               <a:t>NI_Remote_Get_Put</a:t>
             </a:r>
-            <a:endParaRPr lang="zh-CN" altLang="en-US" sz="1200" dirty="0"/>
+            <a:endParaRPr lang="zh-CN" altLang="en-US" sz="2000" dirty="0"/>
           </a:p>
         </p:txBody>
       </p:sp>
@@ -3369,8 +3383,8 @@
         </p:nvCxnSpPr>
         <p:spPr>
           <a:xfrm flipH="1">
-            <a:off x="2458061" y="5851032"/>
-            <a:ext cx="8387739" cy="105253"/>
+            <a:off x="2805516" y="6343187"/>
+            <a:ext cx="8043868" cy="52626"/>
           </a:xfrm>
           <a:prstGeom prst="straightConnector1">
             <a:avLst/>
@@ -3397,15 +3411,13 @@
       <p:cxnSp>
         <p:nvCxnSpPr>
           <p:cNvPr id="29" name="直接连接符 28"/>
-          <p:cNvCxnSpPr>
-            <a:endCxn id="32" idx="3"/>
-          </p:cNvCxnSpPr>
+          <p:cNvCxnSpPr/>
           <p:nvPr/>
         </p:nvCxnSpPr>
         <p:spPr>
           <a:xfrm flipH="1">
-            <a:off x="6242115" y="4613230"/>
-            <a:ext cx="4607269" cy="0"/>
+            <a:off x="6202222" y="4696651"/>
+            <a:ext cx="4607270" cy="30777"/>
           </a:xfrm>
           <a:prstGeom prst="line">
             <a:avLst/>
@@ -3437,8 +3449,8 @@
         </p:nvSpPr>
         <p:spPr>
           <a:xfrm>
-            <a:off x="1115615" y="5801652"/>
-            <a:ext cx="1342445" cy="276999"/>
+            <a:off x="765560" y="6143132"/>
+            <a:ext cx="2028439" cy="400110"/>
           </a:xfrm>
           <a:prstGeom prst="rect">
             <a:avLst/>
@@ -3457,10 +3469,10 @@
           <a:lstStyle/>
           <a:p>
             <a:r>
-              <a:rPr lang="en-US" altLang="zh-CN" sz="1200" dirty="0" err="1" smtClean="0"/>
+              <a:rPr lang="en-US" altLang="zh-CN" sz="2000" dirty="0" err="1" smtClean="0"/>
               <a:t>NI_Remote_Put</a:t>
             </a:r>
-            <a:endParaRPr lang="zh-CN" altLang="en-US" sz="1200" dirty="0"/>
+            <a:endParaRPr lang="zh-CN" altLang="en-US" sz="2000" dirty="0"/>
           </a:p>
         </p:txBody>
       </p:sp>
@@ -3471,9 +3483,9 @@
           <p:nvPr/>
         </p:nvSpPr>
         <p:spPr>
-          <a:xfrm>
-            <a:off x="1480322" y="1596599"/>
-            <a:ext cx="114139" cy="4205054"/>
+          <a:xfrm flipH="1">
+            <a:off x="1583110" y="2235200"/>
+            <a:ext cx="45719" cy="3907932"/>
           </a:xfrm>
           <a:prstGeom prst="downArrow">
             <a:avLst/>
@@ -3512,8 +3524,8 @@
         </p:nvSpPr>
         <p:spPr>
           <a:xfrm>
-            <a:off x="5306011" y="4474730"/>
-            <a:ext cx="936104" cy="276999"/>
+            <a:off x="4780395" y="4496596"/>
+            <a:ext cx="1430379" cy="400110"/>
           </a:xfrm>
           <a:prstGeom prst="rect">
             <a:avLst/>
@@ -3532,10 +3544,10 @@
           <a:lstStyle/>
           <a:p>
             <a:r>
-              <a:rPr lang="en-US" altLang="zh-CN" sz="1200" dirty="0" err="1" smtClean="0"/>
+              <a:rPr lang="en-US" altLang="zh-CN" sz="2000" dirty="0" err="1" smtClean="0"/>
               <a:t>NI_ShWb</a:t>
             </a:r>
-            <a:endParaRPr lang="zh-CN" altLang="en-US" sz="1200" dirty="0"/>
+            <a:endParaRPr lang="zh-CN" altLang="en-US" sz="2000" dirty="0"/>
           </a:p>
         </p:txBody>
       </p:sp>
@@ -3547,8 +3559,8 @@
         </p:nvSpPr>
         <p:spPr>
           <a:xfrm>
-            <a:off x="5602452" y="1595854"/>
-            <a:ext cx="115200" cy="2813462"/>
+            <a:off x="5356184" y="2176908"/>
+            <a:ext cx="45719" cy="2384303"/>
           </a:xfrm>
           <a:prstGeom prst="downArrow">
             <a:avLst/>
@@ -3587,8 +3599,8 @@
         </p:nvSpPr>
         <p:spPr>
           <a:xfrm>
-            <a:off x="6928738" y="4106917"/>
-            <a:ext cx="2140651" cy="276999"/>
+            <a:off x="6714080" y="4096486"/>
+            <a:ext cx="3435621" cy="400110"/>
           </a:xfrm>
           <a:prstGeom prst="rect">
             <a:avLst/>
@@ -3605,18 +3617,18 @@
               <a:t>.</a:t>
             </a:r>
             <a:r>
-              <a:rPr lang="en-US" altLang="zh-CN" sz="1200" dirty="0" err="1" smtClean="0"/>
+              <a:rPr lang="en-US" altLang="zh-CN" sz="2000" dirty="0" err="1" smtClean="0"/>
               <a:t>ShWbMsg.Cmd</a:t>
             </a:r>
             <a:r>
-              <a:rPr lang="en-US" altLang="zh-CN" sz="1200" dirty="0" smtClean="0"/>
+              <a:rPr lang="en-US" altLang="zh-CN" sz="2000" dirty="0" smtClean="0"/>
               <a:t> = </a:t>
             </a:r>
             <a:r>
-              <a:rPr lang="en-US" altLang="zh-CN" sz="1200" dirty="0" err="1" smtClean="0"/>
+              <a:rPr lang="en-US" altLang="zh-CN" sz="2000" dirty="0" err="1" smtClean="0"/>
               <a:t>SHWB_ShWb</a:t>
             </a:r>
-            <a:endParaRPr lang="zh-CN" altLang="en-US" sz="1200" dirty="0"/>
+            <a:endParaRPr lang="zh-CN" altLang="en-US" sz="2000" dirty="0"/>
           </a:p>
         </p:txBody>
       </p:sp>
@@ -3628,8 +3640,8 @@
         </p:nvSpPr>
         <p:spPr>
           <a:xfrm>
-            <a:off x="2592285" y="5482517"/>
-            <a:ext cx="1928413" cy="276999"/>
+            <a:off x="2805516" y="5720650"/>
+            <a:ext cx="3093604" cy="400110"/>
           </a:xfrm>
           <a:prstGeom prst="rect">
             <a:avLst/>
@@ -3642,86 +3654,47 @@
           <a:lstStyle/>
           <a:p>
             <a:r>
-              <a:rPr lang="en-US" altLang="zh-CN" sz="1200" dirty="0" err="1" smtClean="0"/>
+              <a:rPr lang="en-US" altLang="zh-CN" sz="2000" dirty="0" err="1" smtClean="0"/>
               <a:t>UniMsg</a:t>
             </a:r>
             <a:r>
-              <a:rPr lang="en-US" altLang="zh-CN" sz="1200" dirty="0" smtClean="0"/>
+              <a:rPr lang="en-US" altLang="zh-CN" sz="2000" dirty="0" smtClean="0"/>
               <a:t>[</a:t>
             </a:r>
             <a:r>
-              <a:rPr lang="en-US" altLang="zh-CN" sz="1200" dirty="0" err="1" smtClean="0"/>
+              <a:rPr lang="en-US" altLang="zh-CN" sz="2000" dirty="0" err="1" smtClean="0"/>
               <a:t>src</a:t>
             </a:r>
             <a:r>
-              <a:rPr lang="en-US" altLang="zh-CN" sz="1200" dirty="0" smtClean="0"/>
+              <a:rPr lang="en-US" altLang="zh-CN" sz="2000" dirty="0" smtClean="0"/>
               <a:t>].</a:t>
             </a:r>
             <a:r>
-              <a:rPr lang="en-US" altLang="zh-CN" sz="1200" dirty="0" err="1" smtClean="0"/>
+              <a:rPr lang="en-US" altLang="zh-CN" sz="2000" dirty="0" err="1" smtClean="0"/>
               <a:t>Cmd</a:t>
             </a:r>
             <a:r>
-              <a:rPr lang="en-US" altLang="zh-CN" sz="1200" dirty="0" smtClean="0"/>
+              <a:rPr lang="en-US" altLang="zh-CN" sz="2000" dirty="0" smtClean="0"/>
               <a:t> = </a:t>
             </a:r>
             <a:r>
-              <a:rPr lang="en-US" altLang="zh-CN" sz="1200" dirty="0" err="1" smtClean="0"/>
+              <a:rPr lang="en-US" altLang="zh-CN" sz="2000" dirty="0" err="1" smtClean="0"/>
               <a:t>UNI_Put</a:t>
             </a:r>
-            <a:endParaRPr lang="zh-CN" altLang="en-US" sz="1200" dirty="0"/>
+            <a:endParaRPr lang="zh-CN" altLang="en-US" sz="2000" dirty="0"/>
           </a:p>
         </p:txBody>
       </p:sp>
       <p:cxnSp>
         <p:nvCxnSpPr>
           <p:cNvPr id="36" name="直接箭头连接符 35"/>
-          <p:cNvCxnSpPr>
-            <a:stCxn id="16" idx="3"/>
-            <a:endCxn id="18" idx="1"/>
-          </p:cNvCxnSpPr>
+          <p:cNvCxnSpPr/>
           <p:nvPr/>
         </p:nvCxnSpPr>
         <p:spPr>
-          <a:xfrm flipV="1">
-            <a:off x="2592285" y="1431955"/>
-            <a:ext cx="2519775" cy="26144"/>
-          </a:xfrm>
-          <a:prstGeom prst="straightConnector1">
-            <a:avLst/>
-          </a:prstGeom>
-          <a:ln>
-            <a:tailEnd type="arrow"/>
-          </a:ln>
-        </p:spPr>
-        <p:style>
-          <a:lnRef idx="1">
-            <a:schemeClr val="accent1"/>
-          </a:lnRef>
-          <a:fillRef idx="0">
-            <a:schemeClr val="accent1"/>
-          </a:fillRef>
-          <a:effectRef idx="0">
-            <a:schemeClr val="accent1"/>
-          </a:effectRef>
-          <a:fontRef idx="minor">
-            <a:schemeClr val="tx1"/>
-          </a:fontRef>
-        </p:style>
-      </p:cxnSp>
-      <p:cxnSp>
-        <p:nvCxnSpPr>
-          <p:cNvPr id="40" name="直接箭头连接符 39"/>
-          <p:cNvCxnSpPr>
-            <a:stCxn id="18" idx="3"/>
-            <a:endCxn id="25" idx="1"/>
-          </p:cNvCxnSpPr>
-          <p:nvPr/>
-        </p:nvCxnSpPr>
-        <p:spPr>
-          <a:xfrm flipV="1">
-            <a:off x="6436066" y="1395800"/>
-            <a:ext cx="3635034" cy="36155"/>
+          <a:xfrm>
+            <a:off x="2635586" y="1964154"/>
+            <a:ext cx="1633033" cy="0"/>
           </a:xfrm>
           <a:prstGeom prst="straightConnector1">
             <a:avLst/>
@@ -3748,19 +3721,50 @@
       <p:cxnSp>
         <p:nvCxnSpPr>
           <p:cNvPr id="47" name="直接连接符 46"/>
-          <p:cNvCxnSpPr>
-            <a:stCxn id="25" idx="2"/>
-          </p:cNvCxnSpPr>
+          <p:cNvCxnSpPr/>
           <p:nvPr/>
         </p:nvCxnSpPr>
         <p:spPr>
           <a:xfrm>
-            <a:off x="10845800" y="1534299"/>
-            <a:ext cx="3584" cy="4316733"/>
+            <a:off x="10829438" y="2176909"/>
+            <a:ext cx="19946" cy="4166278"/>
           </a:xfrm>
           <a:prstGeom prst="line">
             <a:avLst/>
           </a:prstGeom>
+        </p:spPr>
+        <p:style>
+          <a:lnRef idx="1">
+            <a:schemeClr val="accent1"/>
+          </a:lnRef>
+          <a:fillRef idx="0">
+            <a:schemeClr val="accent1"/>
+          </a:fillRef>
+          <a:effectRef idx="0">
+            <a:schemeClr val="accent1"/>
+          </a:effectRef>
+          <a:fontRef idx="minor">
+            <a:schemeClr val="tx1"/>
+          </a:fontRef>
+        </p:style>
+      </p:cxnSp>
+      <p:cxnSp>
+        <p:nvCxnSpPr>
+          <p:cNvPr id="37" name="直接箭头连接符 36"/>
+          <p:cNvCxnSpPr/>
+          <p:nvPr/>
+        </p:nvCxnSpPr>
+        <p:spPr>
+          <a:xfrm>
+            <a:off x="6714080" y="1976854"/>
+            <a:ext cx="2506120" cy="0"/>
+          </a:xfrm>
+          <a:prstGeom prst="straightConnector1">
+            <a:avLst/>
+          </a:prstGeom>
+          <a:ln>
+            <a:tailEnd type="arrow"/>
+          </a:ln>
         </p:spPr>
         <p:style>
           <a:lnRef idx="1">
